--- a/aaa_Slides/newpolit/behaviour for new polit.pptx
+++ b/aaa_Slides/newpolit/behaviour for new polit.pptx
@@ -9,22 +9,23 @@
     <p:sldId id="257" r:id="rId3"/>
     <p:sldId id="270" r:id="rId4"/>
     <p:sldId id="271" r:id="rId5"/>
-    <p:sldId id="269" r:id="rId6"/>
-    <p:sldId id="267" r:id="rId7"/>
-    <p:sldId id="258" r:id="rId8"/>
-    <p:sldId id="268" r:id="rId9"/>
-    <p:sldId id="259" r:id="rId10"/>
-    <p:sldId id="266" r:id="rId11"/>
-    <p:sldId id="272" r:id="rId12"/>
-    <p:sldId id="261" r:id="rId13"/>
-    <p:sldId id="274" r:id="rId14"/>
-    <p:sldId id="262" r:id="rId15"/>
-    <p:sldId id="275" r:id="rId16"/>
-    <p:sldId id="263" r:id="rId17"/>
-    <p:sldId id="277" r:id="rId18"/>
-    <p:sldId id="264" r:id="rId19"/>
-    <p:sldId id="265" r:id="rId20"/>
-    <p:sldId id="276" r:id="rId21"/>
+    <p:sldId id="278" r:id="rId6"/>
+    <p:sldId id="269" r:id="rId7"/>
+    <p:sldId id="267" r:id="rId8"/>
+    <p:sldId id="258" r:id="rId9"/>
+    <p:sldId id="268" r:id="rId10"/>
+    <p:sldId id="259" r:id="rId11"/>
+    <p:sldId id="266" r:id="rId12"/>
+    <p:sldId id="272" r:id="rId13"/>
+    <p:sldId id="261" r:id="rId14"/>
+    <p:sldId id="274" r:id="rId15"/>
+    <p:sldId id="262" r:id="rId16"/>
+    <p:sldId id="275" r:id="rId17"/>
+    <p:sldId id="263" r:id="rId18"/>
+    <p:sldId id="277" r:id="rId19"/>
+    <p:sldId id="264" r:id="rId20"/>
+    <p:sldId id="265" r:id="rId21"/>
+    <p:sldId id="276" r:id="rId22"/>
   </p:sldIdLst>
   <p:sldSz cx="12192000" cy="6858000"/>
   <p:notesSz cx="6858000" cy="9144000"/>
@@ -123,6 +124,11 @@
       </a:defRPr>
     </a:lvl9pPr>
   </p:defaultTextStyle>
+  <p:extLst>
+    <p:ext uri="{EFAFB233-063F-42B5-8137-9DF3F51BA10A}">
+      <p15:sldGuideLst xmlns:p15="http://schemas.microsoft.com/office/powerpoint/2012/main"/>
+    </p:ext>
+  </p:extLst>
 </p:presentation>
 </file>
 
@@ -3450,6 +3456,154 @@
           <p:cNvPr id="2" name="Title 1">
             <a:extLst>
               <a:ext uri="{FF2B5EF4-FFF2-40B4-BE49-F238E27FC236}">
+                <a16:creationId xmlns:a16="http://schemas.microsoft.com/office/drawing/2014/main" id="{5A0F0335-3CBE-CA1D-F2E7-CBF9DDFD3DB4}"/>
+              </a:ext>
+            </a:extLst>
+          </p:cNvPr>
+          <p:cNvSpPr>
+            <a:spLocks noGrp="1"/>
+          </p:cNvSpPr>
+          <p:nvPr>
+            <p:ph type="title"/>
+          </p:nvPr>
+        </p:nvSpPr>
+        <p:spPr/>
+        <p:txBody>
+          <a:bodyPr/>
+          <a:lstStyle/>
+          <a:p>
+            <a:r>
+              <a:rPr lang="en-IE" dirty="0"/>
+              <a:t>H vs L</a:t>
+            </a:r>
+          </a:p>
+        </p:txBody>
+      </p:sp>
+      <p:pic>
+        <p:nvPicPr>
+          <p:cNvPr id="15" name="Picture 14">
+            <a:extLst>
+              <a:ext uri="{FF2B5EF4-FFF2-40B4-BE49-F238E27FC236}">
+                <a16:creationId xmlns:a16="http://schemas.microsoft.com/office/drawing/2014/main" id="{CCB0F62C-521B-3592-3F7E-84C9FCC56F1E}"/>
+              </a:ext>
+            </a:extLst>
+          </p:cNvPr>
+          <p:cNvPicPr>
+            <a:picLocks noChangeAspect="1"/>
+          </p:cNvPicPr>
+          <p:nvPr/>
+        </p:nvPicPr>
+        <p:blipFill>
+          <a:blip r:embed="rId2"/>
+          <a:stretch>
+            <a:fillRect/>
+          </a:stretch>
+        </p:blipFill>
+        <p:spPr>
+          <a:xfrm>
+            <a:off x="7044950" y="-59159"/>
+            <a:ext cx="4322284" cy="3488159"/>
+          </a:xfrm>
+          <a:prstGeom prst="rect">
+            <a:avLst/>
+          </a:prstGeom>
+        </p:spPr>
+      </p:pic>
+      <p:pic>
+        <p:nvPicPr>
+          <p:cNvPr id="17" name="Picture 16">
+            <a:extLst>
+              <a:ext uri="{FF2B5EF4-FFF2-40B4-BE49-F238E27FC236}">
+                <a16:creationId xmlns:a16="http://schemas.microsoft.com/office/drawing/2014/main" id="{8D36B9B6-97F6-4D90-AF0B-65D875F46FB8}"/>
+              </a:ext>
+            </a:extLst>
+          </p:cNvPr>
+          <p:cNvPicPr>
+            <a:picLocks noChangeAspect="1"/>
+          </p:cNvPicPr>
+          <p:nvPr/>
+        </p:nvPicPr>
+        <p:blipFill>
+          <a:blip r:embed="rId3"/>
+          <a:stretch>
+            <a:fillRect/>
+          </a:stretch>
+        </p:blipFill>
+        <p:spPr>
+          <a:xfrm>
+            <a:off x="7044950" y="3359388"/>
+            <a:ext cx="4579028" cy="3623820"/>
+          </a:xfrm>
+          <a:prstGeom prst="rect">
+            <a:avLst/>
+          </a:prstGeom>
+        </p:spPr>
+      </p:pic>
+      <p:pic>
+        <p:nvPicPr>
+          <p:cNvPr id="19" name="Picture 18">
+            <a:extLst>
+              <a:ext uri="{FF2B5EF4-FFF2-40B4-BE49-F238E27FC236}">
+                <a16:creationId xmlns:a16="http://schemas.microsoft.com/office/drawing/2014/main" id="{BA271437-633D-0575-BA40-659591D6525D}"/>
+              </a:ext>
+            </a:extLst>
+          </p:cNvPr>
+          <p:cNvPicPr>
+            <a:picLocks noChangeAspect="1"/>
+          </p:cNvPicPr>
+          <p:nvPr/>
+        </p:nvPicPr>
+        <p:blipFill>
+          <a:blip r:embed="rId4"/>
+          <a:stretch>
+            <a:fillRect/>
+          </a:stretch>
+        </p:blipFill>
+        <p:spPr>
+          <a:xfrm>
+            <a:off x="838200" y="1905237"/>
+            <a:ext cx="5761219" cy="4587638"/>
+          </a:xfrm>
+          <a:prstGeom prst="rect">
+            <a:avLst/>
+          </a:prstGeom>
+        </p:spPr>
+      </p:pic>
+    </p:spTree>
+    <p:extLst>
+      <p:ext uri="{BB962C8B-B14F-4D97-AF65-F5344CB8AC3E}">
+        <p14:creationId xmlns:p14="http://schemas.microsoft.com/office/powerpoint/2010/main" val="903941792"/>
+      </p:ext>
+    </p:extLst>
+  </p:cSld>
+  <p:clrMapOvr>
+    <a:masterClrMapping/>
+  </p:clrMapOvr>
+</p:sld>
+</file>
+
+<file path=ppt/slides/slide11.xml><?xml version="1.0" encoding="utf-8"?>
+<p:sld xmlns:a="http://schemas.openxmlformats.org/drawingml/2006/main" xmlns:r="http://schemas.openxmlformats.org/officeDocument/2006/relationships" xmlns:p="http://schemas.openxmlformats.org/presentationml/2006/main">
+  <p:cSld>
+    <p:spTree>
+      <p:nvGrpSpPr>
+        <p:cNvPr id="1" name=""/>
+        <p:cNvGrpSpPr/>
+        <p:nvPr/>
+      </p:nvGrpSpPr>
+      <p:grpSpPr>
+        <a:xfrm>
+          <a:off x="0" y="0"/>
+          <a:ext cx="0" cy="0"/>
+          <a:chOff x="0" y="0"/>
+          <a:chExt cx="0" cy="0"/>
+        </a:xfrm>
+      </p:grpSpPr>
+      <p:sp>
+        <p:nvSpPr>
+          <p:cNvPr id="2" name="Title 1">
+            <a:extLst>
+              <a:ext uri="{FF2B5EF4-FFF2-40B4-BE49-F238E27FC236}">
                 <a16:creationId xmlns:a16="http://schemas.microsoft.com/office/drawing/2014/main" id="{3EBD1329-8FB4-474D-42AC-879094276A90}"/>
               </a:ext>
             </a:extLst>
@@ -3568,7 +3722,7 @@
 </p:sld>
 </file>
 
-<file path=ppt/slides/slide11.xml><?xml version="1.0" encoding="utf-8"?>
+<file path=ppt/slides/slide12.xml><?xml version="1.0" encoding="utf-8"?>
 <p:sld xmlns:a="http://schemas.openxmlformats.org/drawingml/2006/main" xmlns:r="http://schemas.openxmlformats.org/officeDocument/2006/relationships" xmlns:p="http://schemas.openxmlformats.org/presentationml/2006/main">
   <p:cSld>
     <p:spTree>
@@ -3684,7 +3838,7 @@
 </p:sld>
 </file>
 
-<file path=ppt/slides/slide12.xml><?xml version="1.0" encoding="utf-8"?>
+<file path=ppt/slides/slide13.xml><?xml version="1.0" encoding="utf-8"?>
 <p:sld xmlns:a="http://schemas.openxmlformats.org/drawingml/2006/main" xmlns:r="http://schemas.openxmlformats.org/officeDocument/2006/relationships" xmlns:p="http://schemas.openxmlformats.org/presentationml/2006/main">
   <p:cSld>
     <p:spTree>
@@ -3834,7 +3988,7 @@
 </p:sld>
 </file>
 
-<file path=ppt/slides/slide13.xml><?xml version="1.0" encoding="utf-8"?>
+<file path=ppt/slides/slide14.xml><?xml version="1.0" encoding="utf-8"?>
 <p:sld xmlns:a="http://schemas.openxmlformats.org/drawingml/2006/main" xmlns:r="http://schemas.openxmlformats.org/officeDocument/2006/relationships" xmlns:p="http://schemas.openxmlformats.org/presentationml/2006/main">
   <p:cSld>
     <p:spTree>
@@ -3930,7 +4084,7 @@
 </p:sld>
 </file>
 
-<file path=ppt/slides/slide14.xml><?xml version="1.0" encoding="utf-8"?>
+<file path=ppt/slides/slide15.xml><?xml version="1.0" encoding="utf-8"?>
 <p:sld xmlns:a="http://schemas.openxmlformats.org/drawingml/2006/main" xmlns:r="http://schemas.openxmlformats.org/officeDocument/2006/relationships" xmlns:p="http://schemas.openxmlformats.org/presentationml/2006/main">
   <p:cSld>
     <p:spTree>
@@ -4080,7 +4234,7 @@
 </p:sld>
 </file>
 
-<file path=ppt/slides/slide15.xml><?xml version="1.0" encoding="utf-8"?>
+<file path=ppt/slides/slide16.xml><?xml version="1.0" encoding="utf-8"?>
 <p:sld xmlns:a="http://schemas.openxmlformats.org/drawingml/2006/main" xmlns:r="http://schemas.openxmlformats.org/officeDocument/2006/relationships" xmlns:p="http://schemas.openxmlformats.org/presentationml/2006/main">
   <p:cSld>
     <p:spTree>
@@ -4154,7 +4308,7 @@
 </p:sld>
 </file>
 
-<file path=ppt/slides/slide16.xml><?xml version="1.0" encoding="utf-8"?>
+<file path=ppt/slides/slide17.xml><?xml version="1.0" encoding="utf-8"?>
 <p:sld xmlns:a="http://schemas.openxmlformats.org/drawingml/2006/main" xmlns:r="http://schemas.openxmlformats.org/officeDocument/2006/relationships" xmlns:p="http://schemas.openxmlformats.org/presentationml/2006/main">
   <p:cSld>
     <p:spTree>
@@ -4354,94 +4508,6 @@
 </p:sld>
 </file>
 
-<file path=ppt/slides/slide17.xml><?xml version="1.0" encoding="utf-8"?>
-<p:sld xmlns:a="http://schemas.openxmlformats.org/drawingml/2006/main" xmlns:r="http://schemas.openxmlformats.org/officeDocument/2006/relationships" xmlns:p="http://schemas.openxmlformats.org/presentationml/2006/main">
-  <p:cSld>
-    <p:spTree>
-      <p:nvGrpSpPr>
-        <p:cNvPr id="1" name=""/>
-        <p:cNvGrpSpPr/>
-        <p:nvPr/>
-      </p:nvGrpSpPr>
-      <p:grpSpPr>
-        <a:xfrm>
-          <a:off x="0" y="0"/>
-          <a:ext cx="0" cy="0"/>
-          <a:chOff x="0" y="0"/>
-          <a:chExt cx="0" cy="0"/>
-        </a:xfrm>
-      </p:grpSpPr>
-      <p:sp>
-        <p:nvSpPr>
-          <p:cNvPr id="2" name="Title 1">
-            <a:extLst>
-              <a:ext uri="{FF2B5EF4-FFF2-40B4-BE49-F238E27FC236}">
-                <a16:creationId xmlns:a16="http://schemas.microsoft.com/office/drawing/2014/main" id="{7509C02F-5BB3-775D-B2E4-F4A4AEB2276C}"/>
-              </a:ext>
-            </a:extLst>
-          </p:cNvPr>
-          <p:cNvSpPr>
-            <a:spLocks noGrp="1"/>
-          </p:cNvSpPr>
-          <p:nvPr>
-            <p:ph type="title"/>
-          </p:nvPr>
-        </p:nvSpPr>
-        <p:spPr/>
-        <p:txBody>
-          <a:bodyPr/>
-          <a:lstStyle/>
-          <a:p>
-            <a:endParaRPr lang="en-IE"/>
-          </a:p>
-        </p:txBody>
-      </p:sp>
-      <p:sp>
-        <p:nvSpPr>
-          <p:cNvPr id="3" name="Content Placeholder 2">
-            <a:extLst>
-              <a:ext uri="{FF2B5EF4-FFF2-40B4-BE49-F238E27FC236}">
-                <a16:creationId xmlns:a16="http://schemas.microsoft.com/office/drawing/2014/main" id="{543BAFA3-A436-4743-0889-A2B3A5B0C838}"/>
-              </a:ext>
-            </a:extLst>
-          </p:cNvPr>
-          <p:cNvSpPr>
-            <a:spLocks noGrp="1"/>
-          </p:cNvSpPr>
-          <p:nvPr>
-            <p:ph idx="1"/>
-          </p:nvPr>
-        </p:nvSpPr>
-        <p:spPr/>
-        <p:txBody>
-          <a:bodyPr/>
-          <a:lstStyle/>
-          <a:p>
-            <a:r>
-              <a:rPr lang="en-IE" dirty="0"/>
-              <a:t>Left is slower in both MT and </a:t>
-            </a:r>
-            <a:r>
-              <a:rPr lang="en-IE" dirty="0" err="1"/>
-              <a:t>EMGonsite</a:t>
-            </a:r>
-            <a:endParaRPr lang="en-IE" dirty="0"/>
-          </a:p>
-        </p:txBody>
-      </p:sp>
-    </p:spTree>
-    <p:extLst>
-      <p:ext uri="{BB962C8B-B14F-4D97-AF65-F5344CB8AC3E}">
-        <p14:creationId xmlns:p14="http://schemas.microsoft.com/office/powerpoint/2010/main" val="876783656"/>
-      </p:ext>
-    </p:extLst>
-  </p:cSld>
-  <p:clrMapOvr>
-    <a:masterClrMapping/>
-  </p:clrMapOvr>
-</p:sld>
-</file>
-
 <file path=ppt/slides/slide18.xml><?xml version="1.0" encoding="utf-8"?>
 <p:sld xmlns:a="http://schemas.openxmlformats.org/drawingml/2006/main" xmlns:r="http://schemas.openxmlformats.org/officeDocument/2006/relationships" xmlns:p="http://schemas.openxmlformats.org/presentationml/2006/main">
   <p:cSld>
@@ -4464,7 +4530,7 @@
           <p:cNvPr id="2" name="Title 1">
             <a:extLst>
               <a:ext uri="{FF2B5EF4-FFF2-40B4-BE49-F238E27FC236}">
-                <a16:creationId xmlns:a16="http://schemas.microsoft.com/office/drawing/2014/main" id="{01D5CA8B-CFB4-91BB-DAE7-68E41061614B}"/>
+                <a16:creationId xmlns:a16="http://schemas.microsoft.com/office/drawing/2014/main" id="{7509C02F-5BB3-775D-B2E4-F4A4AEB2276C}"/>
               </a:ext>
             </a:extLst>
           </p:cNvPr>
@@ -4484,130 +4550,43 @@
           </a:p>
         </p:txBody>
       </p:sp>
-      <p:pic>
-        <p:nvPicPr>
-          <p:cNvPr id="5" name="Picture 4">
-            <a:extLst>
-              <a:ext uri="{FF2B5EF4-FFF2-40B4-BE49-F238E27FC236}">
-                <a16:creationId xmlns:a16="http://schemas.microsoft.com/office/drawing/2014/main" id="{A9545A8D-EEA0-7255-9DC0-96CF8B54EB34}"/>
-              </a:ext>
-            </a:extLst>
-          </p:cNvPr>
-          <p:cNvPicPr>
-            <a:picLocks noChangeAspect="1"/>
-          </p:cNvPicPr>
-          <p:nvPr/>
-        </p:nvPicPr>
-        <p:blipFill>
-          <a:blip r:embed="rId2"/>
-          <a:stretch>
-            <a:fillRect/>
-          </a:stretch>
-        </p:blipFill>
-        <p:spPr>
-          <a:xfrm>
-            <a:off x="347087" y="-181737"/>
-            <a:ext cx="4993133" cy="3744850"/>
-          </a:xfrm>
-          <a:prstGeom prst="rect">
-            <a:avLst/>
-          </a:prstGeom>
-        </p:spPr>
-      </p:pic>
-      <p:pic>
-        <p:nvPicPr>
-          <p:cNvPr id="11" name="Picture 10">
-            <a:extLst>
-              <a:ext uri="{FF2B5EF4-FFF2-40B4-BE49-F238E27FC236}">
-                <a16:creationId xmlns:a16="http://schemas.microsoft.com/office/drawing/2014/main" id="{A71B2301-9B34-BE6F-FEF7-A35D1B4510AD}"/>
-              </a:ext>
-            </a:extLst>
-          </p:cNvPr>
-          <p:cNvPicPr>
-            <a:picLocks noChangeAspect="1"/>
-          </p:cNvPicPr>
-          <p:nvPr/>
-        </p:nvPicPr>
-        <p:blipFill>
-          <a:blip r:embed="rId3"/>
-          <a:stretch>
-            <a:fillRect/>
-          </a:stretch>
-        </p:blipFill>
-        <p:spPr>
-          <a:xfrm>
-            <a:off x="347087" y="3354355"/>
-            <a:ext cx="5125616" cy="3844212"/>
-          </a:xfrm>
-          <a:prstGeom prst="rect">
-            <a:avLst/>
-          </a:prstGeom>
-        </p:spPr>
-      </p:pic>
-      <p:pic>
-        <p:nvPicPr>
-          <p:cNvPr id="13" name="Picture 12">
-            <a:extLst>
-              <a:ext uri="{FF2B5EF4-FFF2-40B4-BE49-F238E27FC236}">
-                <a16:creationId xmlns:a16="http://schemas.microsoft.com/office/drawing/2014/main" id="{6D675EA0-8AB6-2195-13C5-A4A57171AF1F}"/>
-              </a:ext>
-            </a:extLst>
-          </p:cNvPr>
-          <p:cNvPicPr>
-            <a:picLocks noChangeAspect="1"/>
-          </p:cNvPicPr>
-          <p:nvPr/>
-        </p:nvPicPr>
-        <p:blipFill>
-          <a:blip r:embed="rId4"/>
-          <a:stretch>
-            <a:fillRect/>
-          </a:stretch>
-        </p:blipFill>
-        <p:spPr>
-          <a:xfrm>
-            <a:off x="6358511" y="-270588"/>
-            <a:ext cx="4665307" cy="3498980"/>
-          </a:xfrm>
-          <a:prstGeom prst="rect">
-            <a:avLst/>
-          </a:prstGeom>
-        </p:spPr>
-      </p:pic>
-      <p:pic>
-        <p:nvPicPr>
-          <p:cNvPr id="15" name="Picture 14">
-            <a:extLst>
-              <a:ext uri="{FF2B5EF4-FFF2-40B4-BE49-F238E27FC236}">
-                <a16:creationId xmlns:a16="http://schemas.microsoft.com/office/drawing/2014/main" id="{E5A8D319-5CCA-AE9A-ED12-7F0EF0174227}"/>
-              </a:ext>
-            </a:extLst>
-          </p:cNvPr>
-          <p:cNvPicPr>
-            <a:picLocks noChangeAspect="1"/>
-          </p:cNvPicPr>
-          <p:nvPr/>
-        </p:nvPicPr>
-        <p:blipFill>
-          <a:blip r:embed="rId5"/>
-          <a:stretch>
-            <a:fillRect/>
-          </a:stretch>
-        </p:blipFill>
-        <p:spPr>
-          <a:xfrm>
-            <a:off x="6358511" y="3629017"/>
-            <a:ext cx="4393183" cy="3294887"/>
-          </a:xfrm>
-          <a:prstGeom prst="rect">
-            <a:avLst/>
-          </a:prstGeom>
-        </p:spPr>
-      </p:pic>
+      <p:sp>
+        <p:nvSpPr>
+          <p:cNvPr id="3" name="Content Placeholder 2">
+            <a:extLst>
+              <a:ext uri="{FF2B5EF4-FFF2-40B4-BE49-F238E27FC236}">
+                <a16:creationId xmlns:a16="http://schemas.microsoft.com/office/drawing/2014/main" id="{543BAFA3-A436-4743-0889-A2B3A5B0C838}"/>
+              </a:ext>
+            </a:extLst>
+          </p:cNvPr>
+          <p:cNvSpPr>
+            <a:spLocks noGrp="1"/>
+          </p:cNvSpPr>
+          <p:nvPr>
+            <p:ph idx="1"/>
+          </p:nvPr>
+        </p:nvSpPr>
+        <p:spPr/>
+        <p:txBody>
+          <a:bodyPr/>
+          <a:lstStyle/>
+          <a:p>
+            <a:r>
+              <a:rPr lang="en-IE" dirty="0"/>
+              <a:t>Left is slower in both MT and </a:t>
+            </a:r>
+            <a:r>
+              <a:rPr lang="en-IE" dirty="0" err="1"/>
+              <a:t>EMGonsite</a:t>
+            </a:r>
+            <a:endParaRPr lang="en-IE" dirty="0"/>
+          </a:p>
+        </p:txBody>
+      </p:sp>
     </p:spTree>
     <p:extLst>
       <p:ext uri="{BB962C8B-B14F-4D97-AF65-F5344CB8AC3E}">
-        <p14:creationId xmlns:p14="http://schemas.microsoft.com/office/powerpoint/2010/main" val="4208495315"/>
+        <p14:creationId xmlns:p14="http://schemas.microsoft.com/office/powerpoint/2010/main" val="876783656"/>
       </p:ext>
     </p:extLst>
   </p:cSld>
@@ -4639,7 +4618,7 @@
           <p:cNvPr id="2" name="Title 1">
             <a:extLst>
               <a:ext uri="{FF2B5EF4-FFF2-40B4-BE49-F238E27FC236}">
-                <a16:creationId xmlns:a16="http://schemas.microsoft.com/office/drawing/2014/main" id="{29608CCA-DFD6-1703-AABF-FCF0DEDA6DD0}"/>
+                <a16:creationId xmlns:a16="http://schemas.microsoft.com/office/drawing/2014/main" id="{01D5CA8B-CFB4-91BB-DAE7-68E41061614B}"/>
               </a:ext>
             </a:extLst>
           </p:cNvPr>
@@ -4648,31 +4627,6 @@
           </p:cNvSpPr>
           <p:nvPr>
             <p:ph type="title"/>
-          </p:nvPr>
-        </p:nvSpPr>
-        <p:spPr/>
-        <p:txBody>
-          <a:bodyPr/>
-          <a:lstStyle/>
-          <a:p>
-            <a:endParaRPr lang="en-IE"/>
-          </a:p>
-        </p:txBody>
-      </p:sp>
-      <p:sp>
-        <p:nvSpPr>
-          <p:cNvPr id="3" name="Content Placeholder 2">
-            <a:extLst>
-              <a:ext uri="{FF2B5EF4-FFF2-40B4-BE49-F238E27FC236}">
-                <a16:creationId xmlns:a16="http://schemas.microsoft.com/office/drawing/2014/main" id="{2481F5C9-D2C0-8EB9-D83A-6E8484EE2563}"/>
-              </a:ext>
-            </a:extLst>
-          </p:cNvPr>
-          <p:cNvSpPr>
-            <a:spLocks noGrp="1"/>
-          </p:cNvSpPr>
-          <p:nvPr>
-            <p:ph idx="1"/>
           </p:nvPr>
         </p:nvSpPr>
         <p:spPr/>
@@ -4689,7 +4643,7 @@
           <p:cNvPr id="5" name="Picture 4">
             <a:extLst>
               <a:ext uri="{FF2B5EF4-FFF2-40B4-BE49-F238E27FC236}">
-                <a16:creationId xmlns:a16="http://schemas.microsoft.com/office/drawing/2014/main" id="{2D84495E-089A-BE4F-090E-584B233AF817}"/>
+                <a16:creationId xmlns:a16="http://schemas.microsoft.com/office/drawing/2014/main" id="{A9545A8D-EEA0-7255-9DC0-96CF8B54EB34}"/>
               </a:ext>
             </a:extLst>
           </p:cNvPr>
@@ -4706,8 +4660,98 @@
         </p:blipFill>
         <p:spPr>
           <a:xfrm>
-            <a:off x="663825" y="1742985"/>
-            <a:ext cx="6319935" cy="4739951"/>
+            <a:off x="347087" y="-181737"/>
+            <a:ext cx="4993133" cy="3744850"/>
+          </a:xfrm>
+          <a:prstGeom prst="rect">
+            <a:avLst/>
+          </a:prstGeom>
+        </p:spPr>
+      </p:pic>
+      <p:pic>
+        <p:nvPicPr>
+          <p:cNvPr id="11" name="Picture 10">
+            <a:extLst>
+              <a:ext uri="{FF2B5EF4-FFF2-40B4-BE49-F238E27FC236}">
+                <a16:creationId xmlns:a16="http://schemas.microsoft.com/office/drawing/2014/main" id="{A71B2301-9B34-BE6F-FEF7-A35D1B4510AD}"/>
+              </a:ext>
+            </a:extLst>
+          </p:cNvPr>
+          <p:cNvPicPr>
+            <a:picLocks noChangeAspect="1"/>
+          </p:cNvPicPr>
+          <p:nvPr/>
+        </p:nvPicPr>
+        <p:blipFill>
+          <a:blip r:embed="rId3"/>
+          <a:stretch>
+            <a:fillRect/>
+          </a:stretch>
+        </p:blipFill>
+        <p:spPr>
+          <a:xfrm>
+            <a:off x="347087" y="3354355"/>
+            <a:ext cx="5125616" cy="3844212"/>
+          </a:xfrm>
+          <a:prstGeom prst="rect">
+            <a:avLst/>
+          </a:prstGeom>
+        </p:spPr>
+      </p:pic>
+      <p:pic>
+        <p:nvPicPr>
+          <p:cNvPr id="13" name="Picture 12">
+            <a:extLst>
+              <a:ext uri="{FF2B5EF4-FFF2-40B4-BE49-F238E27FC236}">
+                <a16:creationId xmlns:a16="http://schemas.microsoft.com/office/drawing/2014/main" id="{6D675EA0-8AB6-2195-13C5-A4A57171AF1F}"/>
+              </a:ext>
+            </a:extLst>
+          </p:cNvPr>
+          <p:cNvPicPr>
+            <a:picLocks noChangeAspect="1"/>
+          </p:cNvPicPr>
+          <p:nvPr/>
+        </p:nvPicPr>
+        <p:blipFill>
+          <a:blip r:embed="rId4"/>
+          <a:stretch>
+            <a:fillRect/>
+          </a:stretch>
+        </p:blipFill>
+        <p:spPr>
+          <a:xfrm>
+            <a:off x="6358511" y="-270588"/>
+            <a:ext cx="4665307" cy="3498980"/>
+          </a:xfrm>
+          <a:prstGeom prst="rect">
+            <a:avLst/>
+          </a:prstGeom>
+        </p:spPr>
+      </p:pic>
+      <p:pic>
+        <p:nvPicPr>
+          <p:cNvPr id="15" name="Picture 14">
+            <a:extLst>
+              <a:ext uri="{FF2B5EF4-FFF2-40B4-BE49-F238E27FC236}">
+                <a16:creationId xmlns:a16="http://schemas.microsoft.com/office/drawing/2014/main" id="{E5A8D319-5CCA-AE9A-ED12-7F0EF0174227}"/>
+              </a:ext>
+            </a:extLst>
+          </p:cNvPr>
+          <p:cNvPicPr>
+            <a:picLocks noChangeAspect="1"/>
+          </p:cNvPicPr>
+          <p:nvPr/>
+        </p:nvPicPr>
+        <p:blipFill>
+          <a:blip r:embed="rId5"/>
+          <a:stretch>
+            <a:fillRect/>
+          </a:stretch>
+        </p:blipFill>
+        <p:spPr>
+          <a:xfrm>
+            <a:off x="6358511" y="3629017"/>
+            <a:ext cx="4393183" cy="3294887"/>
           </a:xfrm>
           <a:prstGeom prst="rect">
             <a:avLst/>
@@ -4717,7 +4761,7 @@
     </p:spTree>
     <p:extLst>
       <p:ext uri="{BB962C8B-B14F-4D97-AF65-F5344CB8AC3E}">
-        <p14:creationId xmlns:p14="http://schemas.microsoft.com/office/powerpoint/2010/main" val="4289108503"/>
+        <p14:creationId xmlns:p14="http://schemas.microsoft.com/office/powerpoint/2010/main" val="4208495315"/>
       </p:ext>
     </p:extLst>
   </p:cSld>
@@ -5839,6 +5883,116 @@
           <p:cNvPr id="2" name="Title 1">
             <a:extLst>
               <a:ext uri="{FF2B5EF4-FFF2-40B4-BE49-F238E27FC236}">
+                <a16:creationId xmlns:a16="http://schemas.microsoft.com/office/drawing/2014/main" id="{29608CCA-DFD6-1703-AABF-FCF0DEDA6DD0}"/>
+              </a:ext>
+            </a:extLst>
+          </p:cNvPr>
+          <p:cNvSpPr>
+            <a:spLocks noGrp="1"/>
+          </p:cNvSpPr>
+          <p:nvPr>
+            <p:ph type="title"/>
+          </p:nvPr>
+        </p:nvSpPr>
+        <p:spPr/>
+        <p:txBody>
+          <a:bodyPr/>
+          <a:lstStyle/>
+          <a:p>
+            <a:endParaRPr lang="en-IE"/>
+          </a:p>
+        </p:txBody>
+      </p:sp>
+      <p:sp>
+        <p:nvSpPr>
+          <p:cNvPr id="3" name="Content Placeholder 2">
+            <a:extLst>
+              <a:ext uri="{FF2B5EF4-FFF2-40B4-BE49-F238E27FC236}">
+                <a16:creationId xmlns:a16="http://schemas.microsoft.com/office/drawing/2014/main" id="{2481F5C9-D2C0-8EB9-D83A-6E8484EE2563}"/>
+              </a:ext>
+            </a:extLst>
+          </p:cNvPr>
+          <p:cNvSpPr>
+            <a:spLocks noGrp="1"/>
+          </p:cNvSpPr>
+          <p:nvPr>
+            <p:ph idx="1"/>
+          </p:nvPr>
+        </p:nvSpPr>
+        <p:spPr/>
+        <p:txBody>
+          <a:bodyPr/>
+          <a:lstStyle/>
+          <a:p>
+            <a:endParaRPr lang="en-IE"/>
+          </a:p>
+        </p:txBody>
+      </p:sp>
+      <p:pic>
+        <p:nvPicPr>
+          <p:cNvPr id="5" name="Picture 4">
+            <a:extLst>
+              <a:ext uri="{FF2B5EF4-FFF2-40B4-BE49-F238E27FC236}">
+                <a16:creationId xmlns:a16="http://schemas.microsoft.com/office/drawing/2014/main" id="{2D84495E-089A-BE4F-090E-584B233AF817}"/>
+              </a:ext>
+            </a:extLst>
+          </p:cNvPr>
+          <p:cNvPicPr>
+            <a:picLocks noChangeAspect="1"/>
+          </p:cNvPicPr>
+          <p:nvPr/>
+        </p:nvPicPr>
+        <p:blipFill>
+          <a:blip r:embed="rId2"/>
+          <a:stretch>
+            <a:fillRect/>
+          </a:stretch>
+        </p:blipFill>
+        <p:spPr>
+          <a:xfrm>
+            <a:off x="663825" y="1742985"/>
+            <a:ext cx="6319935" cy="4739951"/>
+          </a:xfrm>
+          <a:prstGeom prst="rect">
+            <a:avLst/>
+          </a:prstGeom>
+        </p:spPr>
+      </p:pic>
+    </p:spTree>
+    <p:extLst>
+      <p:ext uri="{BB962C8B-B14F-4D97-AF65-F5344CB8AC3E}">
+        <p14:creationId xmlns:p14="http://schemas.microsoft.com/office/powerpoint/2010/main" val="4289108503"/>
+      </p:ext>
+    </p:extLst>
+  </p:cSld>
+  <p:clrMapOvr>
+    <a:masterClrMapping/>
+  </p:clrMapOvr>
+</p:sld>
+</file>
+
+<file path=ppt/slides/slide21.xml><?xml version="1.0" encoding="utf-8"?>
+<p:sld xmlns:a="http://schemas.openxmlformats.org/drawingml/2006/main" xmlns:r="http://schemas.openxmlformats.org/officeDocument/2006/relationships" xmlns:p="http://schemas.openxmlformats.org/presentationml/2006/main">
+  <p:cSld>
+    <p:spTree>
+      <p:nvGrpSpPr>
+        <p:cNvPr id="1" name=""/>
+        <p:cNvGrpSpPr/>
+        <p:nvPr/>
+      </p:nvGrpSpPr>
+      <p:grpSpPr>
+        <a:xfrm>
+          <a:off x="0" y="0"/>
+          <a:ext cx="0" cy="0"/>
+          <a:chOff x="0" y="0"/>
+          <a:chExt cx="0" cy="0"/>
+        </a:xfrm>
+      </p:grpSpPr>
+      <p:sp>
+        <p:nvSpPr>
+          <p:cNvPr id="2" name="Title 1">
+            <a:extLst>
+              <a:ext uri="{FF2B5EF4-FFF2-40B4-BE49-F238E27FC236}">
                 <a16:creationId xmlns:a16="http://schemas.microsoft.com/office/drawing/2014/main" id="{D46D0F3D-605B-174E-79A8-FE011D69A718}"/>
               </a:ext>
             </a:extLst>
@@ -6060,11 +6214,11 @@
             </a:r>
             <a:r>
               <a:rPr lang="en-IE" dirty="0"/>
-              <a:t> != partial </a:t>
-            </a:r>
-            <a:r>
-              <a:rPr lang="en-IE" dirty="0" err="1"/>
-              <a:t>brusts</a:t>
+              <a:t> != partial bursts/</a:t>
+            </a:r>
+            <a:r>
+              <a:rPr lang="en-US" altLang="zh-CN" dirty="0"/>
+              <a:t>errors</a:t>
             </a:r>
             <a:endParaRPr lang="en-IE" dirty="0"/>
           </a:p>
@@ -6165,7 +6319,7 @@
           <p:cNvPr id="2" name="Title 1">
             <a:extLst>
               <a:ext uri="{FF2B5EF4-FFF2-40B4-BE49-F238E27FC236}">
-                <a16:creationId xmlns:a16="http://schemas.microsoft.com/office/drawing/2014/main" id="{56122C07-730B-CBDD-D15C-DCAD8276C2E4}"/>
+                <a16:creationId xmlns:a16="http://schemas.microsoft.com/office/drawing/2014/main" id="{24BEA047-9F82-8EAD-273A-4FC47B118FA1}"/>
               </a:ext>
             </a:extLst>
           </p:cNvPr>
@@ -6181,73 +6335,124 @@
           <a:bodyPr/>
           <a:lstStyle/>
           <a:p>
-            <a:r>
-              <a:rPr lang="en-IE" dirty="0"/>
-              <a:t>EMG Partial Burst</a:t>
-            </a:r>
-          </a:p>
-        </p:txBody>
-      </p:sp>
-      <p:sp>
-        <p:nvSpPr>
-          <p:cNvPr id="3" name="Content Placeholder 2">
-            <a:extLst>
-              <a:ext uri="{FF2B5EF4-FFF2-40B4-BE49-F238E27FC236}">
-                <a16:creationId xmlns:a16="http://schemas.microsoft.com/office/drawing/2014/main" id="{E5E95151-0E3F-65A6-97AB-37AA81A67836}"/>
-              </a:ext>
-            </a:extLst>
-          </p:cNvPr>
-          <p:cNvSpPr>
-            <a:spLocks noGrp="1"/>
-          </p:cNvSpPr>
+            <a:endParaRPr lang="en-IE"/>
+          </a:p>
+        </p:txBody>
+      </p:sp>
+      <p:pic>
+        <p:nvPicPr>
+          <p:cNvPr id="5" name="Content Placeholder 4">
+            <a:extLst>
+              <a:ext uri="{FF2B5EF4-FFF2-40B4-BE49-F238E27FC236}">
+                <a16:creationId xmlns:a16="http://schemas.microsoft.com/office/drawing/2014/main" id="{4B430C22-2BEF-85B9-1494-96D429E61A56}"/>
+              </a:ext>
+            </a:extLst>
+          </p:cNvPr>
+          <p:cNvPicPr>
+            <a:picLocks noGrp="1" noChangeAspect="1"/>
+          </p:cNvPicPr>
           <p:nvPr>
             <p:ph idx="1"/>
           </p:nvPr>
-        </p:nvSpPr>
-        <p:spPr/>
-        <p:txBody>
-          <a:bodyPr/>
+        </p:nvPicPr>
+        <p:blipFill>
+          <a:blip r:embed="rId2"/>
+          <a:stretch>
+            <a:fillRect/>
+          </a:stretch>
+        </p:blipFill>
+        <p:spPr>
+          <a:xfrm>
+            <a:off x="5039832" y="2371513"/>
+            <a:ext cx="7372729" cy="4121362"/>
+          </a:xfrm>
+        </p:spPr>
+      </p:pic>
+      <p:pic>
+        <p:nvPicPr>
+          <p:cNvPr id="7" name="Picture 6">
+            <a:extLst>
+              <a:ext uri="{FF2B5EF4-FFF2-40B4-BE49-F238E27FC236}">
+                <a16:creationId xmlns:a16="http://schemas.microsoft.com/office/drawing/2014/main" id="{EE62906F-F15E-A085-7B2E-B5D9C8A4418F}"/>
+              </a:ext>
+            </a:extLst>
+          </p:cNvPr>
+          <p:cNvPicPr>
+            <a:picLocks noChangeAspect="1"/>
+          </p:cNvPicPr>
+          <p:nvPr/>
+        </p:nvPicPr>
+        <p:blipFill>
+          <a:blip r:embed="rId3"/>
+          <a:stretch>
+            <a:fillRect/>
+          </a:stretch>
+        </p:blipFill>
+        <p:spPr>
+          <a:xfrm>
+            <a:off x="645406" y="186425"/>
+            <a:ext cx="8788852" cy="2686188"/>
+          </a:xfrm>
+          <a:prstGeom prst="rect">
+            <a:avLst/>
+          </a:prstGeom>
+        </p:spPr>
+      </p:pic>
+      <p:sp>
+        <p:nvSpPr>
+          <p:cNvPr id="9" name="TextBox 8">
+            <a:extLst>
+              <a:ext uri="{FF2B5EF4-FFF2-40B4-BE49-F238E27FC236}">
+                <a16:creationId xmlns:a16="http://schemas.microsoft.com/office/drawing/2014/main" id="{4F5AC3B8-42EC-F44D-EB84-80172469F2C3}"/>
+              </a:ext>
+            </a:extLst>
+          </p:cNvPr>
+          <p:cNvSpPr txBox="1"/>
+          <p:nvPr/>
+        </p:nvSpPr>
+        <p:spPr>
+          <a:xfrm>
+            <a:off x="424070" y="3695811"/>
+            <a:ext cx="4187687" cy="1477328"/>
+          </a:xfrm>
+          <a:prstGeom prst="rect">
+            <a:avLst/>
+          </a:prstGeom>
+          <a:noFill/>
+        </p:spPr>
+        <p:txBody>
+          <a:bodyPr wrap="square">
+            <a:spAutoFit/>
+          </a:bodyPr>
           <a:lstStyle/>
           <a:p>
             <a:r>
               <a:rPr lang="en-US" dirty="0"/>
-              <a:t>a localized, transient increase in muscle activation detected as a brief burst of electrical activity in an electromyogram (EMG) signal.</a:t>
-            </a:r>
-          </a:p>
-          <a:p>
-            <a:pPr marL="0" indent="0">
-              <a:buNone/>
-            </a:pPr>
-            <a:endParaRPr lang="en-US" dirty="0"/>
-          </a:p>
-          <a:p>
-            <a:pPr marL="514350" indent="-514350">
-              <a:buFont typeface="+mj-lt"/>
-              <a:buAutoNum type="arabicPeriod"/>
-            </a:pPr>
+              <a:t>n the present study, we showed that, unlike overt errors, such “</a:t>
+            </a:r>
+            <a:r>
+              <a:rPr lang="en-US" dirty="0">
+                <a:highlight>
+                  <a:srgbClr val="FFFF00"/>
+                </a:highlight>
+              </a:rPr>
+              <a:t>partial errors</a:t>
+            </a:r>
             <a:r>
               <a:rPr lang="en-US" dirty="0"/>
-              <a:t>Pre-motor activity: Neural preparation for movement.</a:t>
-            </a:r>
-          </a:p>
-          <a:p>
-            <a:pPr marL="514350" indent="-514350">
-              <a:buFont typeface="+mj-lt"/>
-              <a:buAutoNum type="arabicPeriod"/>
-            </a:pPr>
+              <a:t>” are </a:t>
+            </a:r>
+            <a:r>
+              <a:rPr lang="en-US" dirty="0">
+                <a:highlight>
+                  <a:srgbClr val="FFFF00"/>
+                </a:highlight>
+              </a:rPr>
+              <a:t>poorly consciously detected by participants</a:t>
+            </a:r>
             <a:r>
               <a:rPr lang="en-US" dirty="0"/>
-              <a:t>Feedback corrections: Adjustments to motor output.</a:t>
-            </a:r>
-          </a:p>
-          <a:p>
-            <a:pPr marL="514350" indent="-514350">
-              <a:buFont typeface="+mj-lt"/>
-              <a:buAutoNum type="arabicPeriod"/>
-            </a:pPr>
-            <a:r>
-              <a:rPr lang="en-US" dirty="0"/>
-              <a:t>Partial recruitment of motor units: Subset of muscle fibers activated.</a:t>
+              <a:t>, who could report only one third of their partial errors.</a:t>
             </a:r>
             <a:endParaRPr lang="en-IE" dirty="0"/>
           </a:p>
@@ -6256,7 +6461,7 @@
     </p:spTree>
     <p:extLst>
       <p:ext uri="{BB962C8B-B14F-4D97-AF65-F5344CB8AC3E}">
-        <p14:creationId xmlns:p14="http://schemas.microsoft.com/office/powerpoint/2010/main" val="3058974986"/>
+        <p14:creationId xmlns:p14="http://schemas.microsoft.com/office/powerpoint/2010/main" val="2892028382"/>
       </p:ext>
     </p:extLst>
   </p:cSld>
@@ -6288,6 +6493,129 @@
           <p:cNvPr id="2" name="Title 1">
             <a:extLst>
               <a:ext uri="{FF2B5EF4-FFF2-40B4-BE49-F238E27FC236}">
+                <a16:creationId xmlns:a16="http://schemas.microsoft.com/office/drawing/2014/main" id="{56122C07-730B-CBDD-D15C-DCAD8276C2E4}"/>
+              </a:ext>
+            </a:extLst>
+          </p:cNvPr>
+          <p:cNvSpPr>
+            <a:spLocks noGrp="1"/>
+          </p:cNvSpPr>
+          <p:nvPr>
+            <p:ph type="title"/>
+          </p:nvPr>
+        </p:nvSpPr>
+        <p:spPr/>
+        <p:txBody>
+          <a:bodyPr/>
+          <a:lstStyle/>
+          <a:p>
+            <a:r>
+              <a:rPr lang="en-IE" dirty="0"/>
+              <a:t>EMG Partial Burst</a:t>
+            </a:r>
+          </a:p>
+        </p:txBody>
+      </p:sp>
+      <p:sp>
+        <p:nvSpPr>
+          <p:cNvPr id="3" name="Content Placeholder 2">
+            <a:extLst>
+              <a:ext uri="{FF2B5EF4-FFF2-40B4-BE49-F238E27FC236}">
+                <a16:creationId xmlns:a16="http://schemas.microsoft.com/office/drawing/2014/main" id="{E5E95151-0E3F-65A6-97AB-37AA81A67836}"/>
+              </a:ext>
+            </a:extLst>
+          </p:cNvPr>
+          <p:cNvSpPr>
+            <a:spLocks noGrp="1"/>
+          </p:cNvSpPr>
+          <p:nvPr>
+            <p:ph idx="1"/>
+          </p:nvPr>
+        </p:nvSpPr>
+        <p:spPr/>
+        <p:txBody>
+          <a:bodyPr/>
+          <a:lstStyle/>
+          <a:p>
+            <a:r>
+              <a:rPr lang="en-US" dirty="0"/>
+              <a:t>a localized, transient increase in muscle activation detected as a brief burst of electrical activity in an electromyogram (EMG) signal.</a:t>
+            </a:r>
+          </a:p>
+          <a:p>
+            <a:pPr marL="0" indent="0">
+              <a:buNone/>
+            </a:pPr>
+            <a:endParaRPr lang="en-US" dirty="0"/>
+          </a:p>
+          <a:p>
+            <a:pPr marL="514350" indent="-514350">
+              <a:buFont typeface="+mj-lt"/>
+              <a:buAutoNum type="arabicPeriod"/>
+            </a:pPr>
+            <a:r>
+              <a:rPr lang="en-US" dirty="0"/>
+              <a:t>Pre-motor activity: Neural preparation for movement.</a:t>
+            </a:r>
+          </a:p>
+          <a:p>
+            <a:pPr marL="514350" indent="-514350">
+              <a:buFont typeface="+mj-lt"/>
+              <a:buAutoNum type="arabicPeriod"/>
+            </a:pPr>
+            <a:r>
+              <a:rPr lang="en-US" dirty="0"/>
+              <a:t>Feedback corrections: Adjustments to motor output.</a:t>
+            </a:r>
+          </a:p>
+          <a:p>
+            <a:pPr marL="514350" indent="-514350">
+              <a:buFont typeface="+mj-lt"/>
+              <a:buAutoNum type="arabicPeriod"/>
+            </a:pPr>
+            <a:r>
+              <a:rPr lang="en-US" dirty="0"/>
+              <a:t>Partial recruitment of motor units: Subset of muscle fibers activated.</a:t>
+            </a:r>
+            <a:endParaRPr lang="en-IE" dirty="0"/>
+          </a:p>
+        </p:txBody>
+      </p:sp>
+    </p:spTree>
+    <p:extLst>
+      <p:ext uri="{BB962C8B-B14F-4D97-AF65-F5344CB8AC3E}">
+        <p14:creationId xmlns:p14="http://schemas.microsoft.com/office/powerpoint/2010/main" val="3058974986"/>
+      </p:ext>
+    </p:extLst>
+  </p:cSld>
+  <p:clrMapOvr>
+    <a:masterClrMapping/>
+  </p:clrMapOvr>
+</p:sld>
+</file>
+
+<file path=ppt/slides/slide7.xml><?xml version="1.0" encoding="utf-8"?>
+<p:sld xmlns:a="http://schemas.openxmlformats.org/drawingml/2006/main" xmlns:r="http://schemas.openxmlformats.org/officeDocument/2006/relationships" xmlns:p="http://schemas.openxmlformats.org/presentationml/2006/main">
+  <p:cSld>
+    <p:spTree>
+      <p:nvGrpSpPr>
+        <p:cNvPr id="1" name=""/>
+        <p:cNvGrpSpPr/>
+        <p:nvPr/>
+      </p:nvGrpSpPr>
+      <p:grpSpPr>
+        <a:xfrm>
+          <a:off x="0" y="0"/>
+          <a:ext cx="0" cy="0"/>
+          <a:chOff x="0" y="0"/>
+          <a:chExt cx="0" cy="0"/>
+        </a:xfrm>
+      </p:grpSpPr>
+      <p:sp>
+        <p:nvSpPr>
+          <p:cNvPr id="2" name="Title 1">
+            <a:extLst>
+              <a:ext uri="{FF2B5EF4-FFF2-40B4-BE49-F238E27FC236}">
                 <a16:creationId xmlns:a16="http://schemas.microsoft.com/office/drawing/2014/main" id="{266996EB-664D-6FF8-E91C-2FB369475BCD}"/>
               </a:ext>
             </a:extLst>
@@ -6370,7 +6698,7 @@
 </p:sld>
 </file>
 
-<file path=ppt/slides/slide7.xml><?xml version="1.0" encoding="utf-8"?>
+<file path=ppt/slides/slide8.xml><?xml version="1.0" encoding="utf-8"?>
 <p:sld xmlns:a="http://schemas.openxmlformats.org/drawingml/2006/main" xmlns:r="http://schemas.openxmlformats.org/officeDocument/2006/relationships" xmlns:p="http://schemas.openxmlformats.org/presentationml/2006/main">
   <p:cSld>
     <p:spTree>
@@ -6574,124 +6902,6 @@
 </p:sld>
 </file>
 
-<file path=ppt/slides/slide8.xml><?xml version="1.0" encoding="utf-8"?>
-<p:sld xmlns:a="http://schemas.openxmlformats.org/drawingml/2006/main" xmlns:r="http://schemas.openxmlformats.org/officeDocument/2006/relationships" xmlns:p="http://schemas.openxmlformats.org/presentationml/2006/main">
-  <p:cSld>
-    <p:spTree>
-      <p:nvGrpSpPr>
-        <p:cNvPr id="1" name=""/>
-        <p:cNvGrpSpPr/>
-        <p:nvPr/>
-      </p:nvGrpSpPr>
-      <p:grpSpPr>
-        <a:xfrm>
-          <a:off x="0" y="0"/>
-          <a:ext cx="0" cy="0"/>
-          <a:chOff x="0" y="0"/>
-          <a:chExt cx="0" cy="0"/>
-        </a:xfrm>
-      </p:grpSpPr>
-      <p:sp>
-        <p:nvSpPr>
-          <p:cNvPr id="2" name="Title 1">
-            <a:extLst>
-              <a:ext uri="{FF2B5EF4-FFF2-40B4-BE49-F238E27FC236}">
-                <a16:creationId xmlns:a16="http://schemas.microsoft.com/office/drawing/2014/main" id="{17815545-E3C2-1213-5677-39D35DD88CF9}"/>
-              </a:ext>
-            </a:extLst>
-          </p:cNvPr>
-          <p:cNvSpPr>
-            <a:spLocks noGrp="1"/>
-          </p:cNvSpPr>
-          <p:nvPr>
-            <p:ph type="title"/>
-          </p:nvPr>
-        </p:nvSpPr>
-        <p:spPr/>
-        <p:txBody>
-          <a:bodyPr/>
-          <a:lstStyle/>
-          <a:p>
-            <a:endParaRPr lang="en-IE"/>
-          </a:p>
-        </p:txBody>
-      </p:sp>
-      <p:sp>
-        <p:nvSpPr>
-          <p:cNvPr id="3" name="Content Placeholder 2">
-            <a:extLst>
-              <a:ext uri="{FF2B5EF4-FFF2-40B4-BE49-F238E27FC236}">
-                <a16:creationId xmlns:a16="http://schemas.microsoft.com/office/drawing/2014/main" id="{1F4C2B75-7B47-F153-FF85-5A7063EE44C8}"/>
-              </a:ext>
-            </a:extLst>
-          </p:cNvPr>
-          <p:cNvSpPr>
-            <a:spLocks noGrp="1"/>
-          </p:cNvSpPr>
-          <p:nvPr>
-            <p:ph idx="1"/>
-          </p:nvPr>
-        </p:nvSpPr>
-        <p:spPr/>
-        <p:txBody>
-          <a:bodyPr/>
-          <a:lstStyle/>
-          <a:p>
-            <a:r>
-              <a:rPr lang="en-IE" dirty="0"/>
-              <a:t>Findings:</a:t>
-            </a:r>
-          </a:p>
-          <a:p>
-            <a:r>
-              <a:rPr lang="en-IE" dirty="0"/>
-              <a:t>H has higher </a:t>
-            </a:r>
-            <a:r>
-              <a:rPr lang="en-IE" dirty="0" err="1"/>
-              <a:t>acc</a:t>
-            </a:r>
-            <a:r>
-              <a:rPr lang="en-IE" dirty="0"/>
-              <a:t> and low rt</a:t>
-            </a:r>
-          </a:p>
-          <a:p>
-            <a:r>
-              <a:rPr lang="en-IE" dirty="0"/>
-              <a:t>Partial bursts is more in L</a:t>
-            </a:r>
-          </a:p>
-          <a:p>
-            <a:r>
-              <a:rPr lang="en-IE" dirty="0"/>
-              <a:t>The first partial burst happening time for H is early</a:t>
-            </a:r>
-          </a:p>
-          <a:p>
-            <a:r>
-              <a:rPr lang="en-IE" dirty="0"/>
-              <a:t>And the trend of the time first partial burst  decrease</a:t>
-            </a:r>
-          </a:p>
-          <a:p>
-            <a:endParaRPr lang="en-IE" dirty="0"/>
-          </a:p>
-        </p:txBody>
-      </p:sp>
-    </p:spTree>
-    <p:extLst>
-      <p:ext uri="{BB962C8B-B14F-4D97-AF65-F5344CB8AC3E}">
-        <p14:creationId xmlns:p14="http://schemas.microsoft.com/office/powerpoint/2010/main" val="611267279"/>
-      </p:ext>
-    </p:extLst>
-  </p:cSld>
-  <p:clrMapOvr>
-    <a:masterClrMapping/>
-  </p:clrMapOvr>
-</p:sld>
-</file>
-
 <file path=ppt/slides/slide9.xml><?xml version="1.0" encoding="utf-8"?>
 <p:sld xmlns:a="http://schemas.openxmlformats.org/drawingml/2006/main" xmlns:r="http://schemas.openxmlformats.org/officeDocument/2006/relationships" xmlns:p="http://schemas.openxmlformats.org/presentationml/2006/main">
   <p:cSld>
@@ -6714,7 +6924,7 @@
           <p:cNvPr id="2" name="Title 1">
             <a:extLst>
               <a:ext uri="{FF2B5EF4-FFF2-40B4-BE49-F238E27FC236}">
-                <a16:creationId xmlns:a16="http://schemas.microsoft.com/office/drawing/2014/main" id="{5A0F0335-3CBE-CA1D-F2E7-CBF9DDFD3DB4}"/>
+                <a16:creationId xmlns:a16="http://schemas.microsoft.com/office/drawing/2014/main" id="{17815545-E3C2-1213-5677-39D35DD88CF9}"/>
               </a:ext>
             </a:extLst>
           </p:cNvPr>
@@ -6730,107 +6940,77 @@
           <a:bodyPr/>
           <a:lstStyle/>
           <a:p>
+            <a:endParaRPr lang="en-IE"/>
+          </a:p>
+        </p:txBody>
+      </p:sp>
+      <p:sp>
+        <p:nvSpPr>
+          <p:cNvPr id="3" name="Content Placeholder 2">
+            <a:extLst>
+              <a:ext uri="{FF2B5EF4-FFF2-40B4-BE49-F238E27FC236}">
+                <a16:creationId xmlns:a16="http://schemas.microsoft.com/office/drawing/2014/main" id="{1F4C2B75-7B47-F153-FF85-5A7063EE44C8}"/>
+              </a:ext>
+            </a:extLst>
+          </p:cNvPr>
+          <p:cNvSpPr>
+            <a:spLocks noGrp="1"/>
+          </p:cNvSpPr>
+          <p:nvPr>
+            <p:ph idx="1"/>
+          </p:nvPr>
+        </p:nvSpPr>
+        <p:spPr/>
+        <p:txBody>
+          <a:bodyPr/>
+          <a:lstStyle/>
+          <a:p>
             <a:r>
               <a:rPr lang="en-IE" dirty="0"/>
-              <a:t>H vs L</a:t>
-            </a:r>
-          </a:p>
-        </p:txBody>
-      </p:sp>
-      <p:pic>
-        <p:nvPicPr>
-          <p:cNvPr id="15" name="Picture 14">
-            <a:extLst>
-              <a:ext uri="{FF2B5EF4-FFF2-40B4-BE49-F238E27FC236}">
-                <a16:creationId xmlns:a16="http://schemas.microsoft.com/office/drawing/2014/main" id="{CCB0F62C-521B-3592-3F7E-84C9FCC56F1E}"/>
-              </a:ext>
-            </a:extLst>
-          </p:cNvPr>
-          <p:cNvPicPr>
-            <a:picLocks noChangeAspect="1"/>
-          </p:cNvPicPr>
-          <p:nvPr/>
-        </p:nvPicPr>
-        <p:blipFill>
-          <a:blip r:embed="rId2"/>
-          <a:stretch>
-            <a:fillRect/>
-          </a:stretch>
-        </p:blipFill>
-        <p:spPr>
-          <a:xfrm>
-            <a:off x="7044950" y="-59159"/>
-            <a:ext cx="4322284" cy="3488159"/>
-          </a:xfrm>
-          <a:prstGeom prst="rect">
-            <a:avLst/>
-          </a:prstGeom>
-        </p:spPr>
-      </p:pic>
-      <p:pic>
-        <p:nvPicPr>
-          <p:cNvPr id="17" name="Picture 16">
-            <a:extLst>
-              <a:ext uri="{FF2B5EF4-FFF2-40B4-BE49-F238E27FC236}">
-                <a16:creationId xmlns:a16="http://schemas.microsoft.com/office/drawing/2014/main" id="{8D36B9B6-97F6-4D90-AF0B-65D875F46FB8}"/>
-              </a:ext>
-            </a:extLst>
-          </p:cNvPr>
-          <p:cNvPicPr>
-            <a:picLocks noChangeAspect="1"/>
-          </p:cNvPicPr>
-          <p:nvPr/>
-        </p:nvPicPr>
-        <p:blipFill>
-          <a:blip r:embed="rId3"/>
-          <a:stretch>
-            <a:fillRect/>
-          </a:stretch>
-        </p:blipFill>
-        <p:spPr>
-          <a:xfrm>
-            <a:off x="7044950" y="3359388"/>
-            <a:ext cx="4579028" cy="3623820"/>
-          </a:xfrm>
-          <a:prstGeom prst="rect">
-            <a:avLst/>
-          </a:prstGeom>
-        </p:spPr>
-      </p:pic>
-      <p:pic>
-        <p:nvPicPr>
-          <p:cNvPr id="19" name="Picture 18">
-            <a:extLst>
-              <a:ext uri="{FF2B5EF4-FFF2-40B4-BE49-F238E27FC236}">
-                <a16:creationId xmlns:a16="http://schemas.microsoft.com/office/drawing/2014/main" id="{BA271437-633D-0575-BA40-659591D6525D}"/>
-              </a:ext>
-            </a:extLst>
-          </p:cNvPr>
-          <p:cNvPicPr>
-            <a:picLocks noChangeAspect="1"/>
-          </p:cNvPicPr>
-          <p:nvPr/>
-        </p:nvPicPr>
-        <p:blipFill>
-          <a:blip r:embed="rId4"/>
-          <a:stretch>
-            <a:fillRect/>
-          </a:stretch>
-        </p:blipFill>
-        <p:spPr>
-          <a:xfrm>
-            <a:off x="838200" y="1905237"/>
-            <a:ext cx="5761219" cy="4587638"/>
-          </a:xfrm>
-          <a:prstGeom prst="rect">
-            <a:avLst/>
-          </a:prstGeom>
-        </p:spPr>
-      </p:pic>
+              <a:t>Findings:</a:t>
+            </a:r>
+          </a:p>
+          <a:p>
+            <a:r>
+              <a:rPr lang="en-IE" dirty="0"/>
+              <a:t>H has higher </a:t>
+            </a:r>
+            <a:r>
+              <a:rPr lang="en-IE" dirty="0" err="1"/>
+              <a:t>acc</a:t>
+            </a:r>
+            <a:r>
+              <a:rPr lang="en-IE" dirty="0"/>
+              <a:t> and low rt</a:t>
+            </a:r>
+          </a:p>
+          <a:p>
+            <a:r>
+              <a:rPr lang="en-IE" dirty="0"/>
+              <a:t>Partial bursts is more in L</a:t>
+            </a:r>
+          </a:p>
+          <a:p>
+            <a:r>
+              <a:rPr lang="en-IE" dirty="0"/>
+              <a:t>The first partial burst happening time for H is early</a:t>
+            </a:r>
+          </a:p>
+          <a:p>
+            <a:r>
+              <a:rPr lang="en-IE" dirty="0"/>
+              <a:t>And the trend of the time first partial burst  decrease</a:t>
+            </a:r>
+          </a:p>
+          <a:p>
+            <a:endParaRPr lang="en-IE" dirty="0"/>
+          </a:p>
+        </p:txBody>
+      </p:sp>
     </p:spTree>
     <p:extLst>
       <p:ext uri="{BB962C8B-B14F-4D97-AF65-F5344CB8AC3E}">
-        <p14:creationId xmlns:p14="http://schemas.microsoft.com/office/powerpoint/2010/main" val="903941792"/>
+        <p14:creationId xmlns:p14="http://schemas.microsoft.com/office/powerpoint/2010/main" val="611267279"/>
       </p:ext>
     </p:extLst>
   </p:cSld>

--- a/aaa_Slides/newpolit/behaviour for new polit.pptx
+++ b/aaa_Slides/newpolit/behaviour for new polit.pptx
@@ -281,7 +281,7 @@
           <a:p>
             <a:fld id="{8159808B-ADE6-4CB0-9AC2-03EAE76023BB}" type="datetimeFigureOut">
               <a:rPr lang="en-IE" smtClean="0"/>
-              <a:t>06/12/2024</a:t>
+              <a:t>10/12/2024</a:t>
             </a:fld>
             <a:endParaRPr lang="en-IE"/>
           </a:p>
@@ -481,7 +481,7 @@
           <a:p>
             <a:fld id="{8159808B-ADE6-4CB0-9AC2-03EAE76023BB}" type="datetimeFigureOut">
               <a:rPr lang="en-IE" smtClean="0"/>
-              <a:t>06/12/2024</a:t>
+              <a:t>10/12/2024</a:t>
             </a:fld>
             <a:endParaRPr lang="en-IE"/>
           </a:p>
@@ -691,7 +691,7 @@
           <a:p>
             <a:fld id="{8159808B-ADE6-4CB0-9AC2-03EAE76023BB}" type="datetimeFigureOut">
               <a:rPr lang="en-IE" smtClean="0"/>
-              <a:t>06/12/2024</a:t>
+              <a:t>10/12/2024</a:t>
             </a:fld>
             <a:endParaRPr lang="en-IE"/>
           </a:p>
@@ -891,7 +891,7 @@
           <a:p>
             <a:fld id="{8159808B-ADE6-4CB0-9AC2-03EAE76023BB}" type="datetimeFigureOut">
               <a:rPr lang="en-IE" smtClean="0"/>
-              <a:t>06/12/2024</a:t>
+              <a:t>10/12/2024</a:t>
             </a:fld>
             <a:endParaRPr lang="en-IE"/>
           </a:p>
@@ -1167,7 +1167,7 @@
           <a:p>
             <a:fld id="{8159808B-ADE6-4CB0-9AC2-03EAE76023BB}" type="datetimeFigureOut">
               <a:rPr lang="en-IE" smtClean="0"/>
-              <a:t>06/12/2024</a:t>
+              <a:t>10/12/2024</a:t>
             </a:fld>
             <a:endParaRPr lang="en-IE"/>
           </a:p>
@@ -1435,7 +1435,7 @@
           <a:p>
             <a:fld id="{8159808B-ADE6-4CB0-9AC2-03EAE76023BB}" type="datetimeFigureOut">
               <a:rPr lang="en-IE" smtClean="0"/>
-              <a:t>06/12/2024</a:t>
+              <a:t>10/12/2024</a:t>
             </a:fld>
             <a:endParaRPr lang="en-IE"/>
           </a:p>
@@ -1850,7 +1850,7 @@
           <a:p>
             <a:fld id="{8159808B-ADE6-4CB0-9AC2-03EAE76023BB}" type="datetimeFigureOut">
               <a:rPr lang="en-IE" smtClean="0"/>
-              <a:t>06/12/2024</a:t>
+              <a:t>10/12/2024</a:t>
             </a:fld>
             <a:endParaRPr lang="en-IE"/>
           </a:p>
@@ -1992,7 +1992,7 @@
           <a:p>
             <a:fld id="{8159808B-ADE6-4CB0-9AC2-03EAE76023BB}" type="datetimeFigureOut">
               <a:rPr lang="en-IE" smtClean="0"/>
-              <a:t>06/12/2024</a:t>
+              <a:t>10/12/2024</a:t>
             </a:fld>
             <a:endParaRPr lang="en-IE"/>
           </a:p>
@@ -2105,7 +2105,7 @@
           <a:p>
             <a:fld id="{8159808B-ADE6-4CB0-9AC2-03EAE76023BB}" type="datetimeFigureOut">
               <a:rPr lang="en-IE" smtClean="0"/>
-              <a:t>06/12/2024</a:t>
+              <a:t>10/12/2024</a:t>
             </a:fld>
             <a:endParaRPr lang="en-IE"/>
           </a:p>
@@ -2418,7 +2418,7 @@
           <a:p>
             <a:fld id="{8159808B-ADE6-4CB0-9AC2-03EAE76023BB}" type="datetimeFigureOut">
               <a:rPr lang="en-IE" smtClean="0"/>
-              <a:t>06/12/2024</a:t>
+              <a:t>10/12/2024</a:t>
             </a:fld>
             <a:endParaRPr lang="en-IE"/>
           </a:p>
@@ -2707,7 +2707,7 @@
           <a:p>
             <a:fld id="{8159808B-ADE6-4CB0-9AC2-03EAE76023BB}" type="datetimeFigureOut">
               <a:rPr lang="en-IE" smtClean="0"/>
-              <a:t>06/12/2024</a:t>
+              <a:t>10/12/2024</a:t>
             </a:fld>
             <a:endParaRPr lang="en-IE"/>
           </a:p>
@@ -2950,7 +2950,7 @@
           <a:p>
             <a:fld id="{8159808B-ADE6-4CB0-9AC2-03EAE76023BB}" type="datetimeFigureOut">
               <a:rPr lang="en-IE" smtClean="0"/>
-              <a:t>06/12/2024</a:t>
+              <a:t>10/12/2024</a:t>
             </a:fld>
             <a:endParaRPr lang="en-IE"/>
           </a:p>
@@ -6428,7 +6428,7 @@
           <a:p>
             <a:r>
               <a:rPr lang="en-US" dirty="0"/>
-              <a:t>n the present study, we showed that, unlike overt errors, such “</a:t>
+              <a:t>in the present study, we showed that, unlike overt errors, such “</a:t>
             </a:r>
             <a:r>
               <a:rPr lang="en-US" dirty="0">
